--- a/manuscript/Figure_Source.pptx
+++ b/manuscript/Figure_Source.pptx
@@ -211,7 +211,7 @@
             <a:srgbClr val="A4A3A4"/>
           </p15:clr>
         </p15:guide>
-        <p15:guide id="32" orient="horz" pos="3898">
+        <p15:guide id="32" orient="horz" pos="3810" userDrawn="1">
           <p15:clr>
             <a:srgbClr val="A4A3A4"/>
           </p15:clr>
@@ -232,6 +232,11 @@
           </p15:clr>
         </p15:guide>
         <p15:guide id="36" pos="6224">
+          <p15:clr>
+            <a:srgbClr val="A4A3A4"/>
+          </p15:clr>
+        </p15:guide>
+        <p15:guide id="37" orient="horz" pos="3887" userDrawn="1">
           <p15:clr>
             <a:srgbClr val="A4A3A4"/>
           </p15:clr>
@@ -324,7 +329,7 @@
           <a:p>
             <a:fld id="{7091944A-EA73-E04C-804D-78789580C6A0}" type="datetimeFigureOut">
               <a:rPr lang="en-US" smtClean="0"/>
-              <a:t>4/23/20</a:t>
+              <a:t>4/26/20</a:t>
             </a:fld>
             <a:endParaRPr lang="en-US"/>
           </a:p>
@@ -890,7 +895,31 @@
                 <a:ea typeface="+mn-ea"/>
                 <a:cs typeface="+mn-cs"/>
               </a:rPr>
-              <a:t>) dependencies. The Pearson’s correlation coefficients (R) and root mean squared errors (RMSE) are brought on the individual plots.</a:t>
+              <a:t>) dependencies. The Pearson’s correlation coefficients (R) and root mean squared errors (RMSE) calculated on the test set (in purple; training set </a:t>
+            </a:r>
+            <a:r>
+              <a:rPr lang="en-US" sz="2720" i="1" kern="1200">
+                <a:solidFill>
+                  <a:schemeClr val="tx1"/>
+                </a:solidFill>
+                <a:effectLst/>
+                <a:latin typeface="+mn-lt"/>
+                <a:ea typeface="+mn-ea"/>
+                <a:cs typeface="+mn-cs"/>
+              </a:rPr>
+              <a:t>in cyan) are </a:t>
+            </a:r>
+            <a:r>
+              <a:rPr lang="en-US" sz="2720" i="1" kern="1200" dirty="0">
+                <a:solidFill>
+                  <a:schemeClr val="tx1"/>
+                </a:solidFill>
+                <a:effectLst/>
+                <a:latin typeface="+mn-lt"/>
+                <a:ea typeface="+mn-ea"/>
+                <a:cs typeface="+mn-cs"/>
+              </a:rPr>
+              <a:t>brought on the individual plots.</a:t>
             </a:r>
             <a:endParaRPr lang="en-GB" sz="2720" kern="1200" dirty="0">
               <a:solidFill>
@@ -1888,7 +1917,7 @@
           <a:p>
             <a:fld id="{BE22A053-E7CE-6544-9463-488D0D270A37}" type="datetimeFigureOut">
               <a:rPr lang="en-US" smtClean="0"/>
-              <a:t>4/23/20</a:t>
+              <a:t>4/26/20</a:t>
             </a:fld>
             <a:endParaRPr lang="en-US"/>
           </a:p>
@@ -2058,7 +2087,7 @@
           <a:p>
             <a:fld id="{BE22A053-E7CE-6544-9463-488D0D270A37}" type="datetimeFigureOut">
               <a:rPr lang="en-US" smtClean="0"/>
-              <a:t>4/23/20</a:t>
+              <a:t>4/26/20</a:t>
             </a:fld>
             <a:endParaRPr lang="en-US"/>
           </a:p>
@@ -2238,7 +2267,7 @@
           <a:p>
             <a:fld id="{BE22A053-E7CE-6544-9463-488D0D270A37}" type="datetimeFigureOut">
               <a:rPr lang="en-US" smtClean="0"/>
-              <a:t>4/23/20</a:t>
+              <a:t>4/26/20</a:t>
             </a:fld>
             <a:endParaRPr lang="en-US"/>
           </a:p>
@@ -2408,7 +2437,7 @@
           <a:p>
             <a:fld id="{BE22A053-E7CE-6544-9463-488D0D270A37}" type="datetimeFigureOut">
               <a:rPr lang="en-US" smtClean="0"/>
-              <a:t>4/23/20</a:t>
+              <a:t>4/26/20</a:t>
             </a:fld>
             <a:endParaRPr lang="en-US"/>
           </a:p>
@@ -2652,7 +2681,7 @@
           <a:p>
             <a:fld id="{BE22A053-E7CE-6544-9463-488D0D270A37}" type="datetimeFigureOut">
               <a:rPr lang="en-US" smtClean="0"/>
-              <a:t>4/23/20</a:t>
+              <a:t>4/26/20</a:t>
             </a:fld>
             <a:endParaRPr lang="en-US"/>
           </a:p>
@@ -2884,7 +2913,7 @@
           <a:p>
             <a:fld id="{BE22A053-E7CE-6544-9463-488D0D270A37}" type="datetimeFigureOut">
               <a:rPr lang="en-US" smtClean="0"/>
-              <a:t>4/23/20</a:t>
+              <a:t>4/26/20</a:t>
             </a:fld>
             <a:endParaRPr lang="en-US"/>
           </a:p>
@@ -3251,7 +3280,7 @@
           <a:p>
             <a:fld id="{BE22A053-E7CE-6544-9463-488D0D270A37}" type="datetimeFigureOut">
               <a:rPr lang="en-US" smtClean="0"/>
-              <a:t>4/23/20</a:t>
+              <a:t>4/26/20</a:t>
             </a:fld>
             <a:endParaRPr lang="en-US"/>
           </a:p>
@@ -3369,7 +3398,7 @@
           <a:p>
             <a:fld id="{BE22A053-E7CE-6544-9463-488D0D270A37}" type="datetimeFigureOut">
               <a:rPr lang="en-US" smtClean="0"/>
-              <a:t>4/23/20</a:t>
+              <a:t>4/26/20</a:t>
             </a:fld>
             <a:endParaRPr lang="en-US"/>
           </a:p>
@@ -3464,7 +3493,7 @@
           <a:p>
             <a:fld id="{BE22A053-E7CE-6544-9463-488D0D270A37}" type="datetimeFigureOut">
               <a:rPr lang="en-US" smtClean="0"/>
-              <a:t>4/23/20</a:t>
+              <a:t>4/26/20</a:t>
             </a:fld>
             <a:endParaRPr lang="en-US"/>
           </a:p>
@@ -3741,7 +3770,7 @@
           <a:p>
             <a:fld id="{BE22A053-E7CE-6544-9463-488D0D270A37}" type="datetimeFigureOut">
               <a:rPr lang="en-US" smtClean="0"/>
-              <a:t>4/23/20</a:t>
+              <a:t>4/26/20</a:t>
             </a:fld>
             <a:endParaRPr lang="en-US"/>
           </a:p>
@@ -3998,7 +4027,7 @@
           <a:p>
             <a:fld id="{BE22A053-E7CE-6544-9463-488D0D270A37}" type="datetimeFigureOut">
               <a:rPr lang="en-US" smtClean="0"/>
-              <a:t>4/23/20</a:t>
+              <a:t>4/26/20</a:t>
             </a:fld>
             <a:endParaRPr lang="en-US"/>
           </a:p>
@@ -4211,7 +4240,7 @@
           <a:p>
             <a:fld id="{BE22A053-E7CE-6544-9463-488D0D270A37}" type="datetimeFigureOut">
               <a:rPr lang="en-US" smtClean="0"/>
-              <a:t>4/23/20</a:t>
+              <a:t>4/26/20</a:t>
             </a:fld>
             <a:endParaRPr lang="en-US"/>
           </a:p>
@@ -4632,13 +4661,13 @@
         </p:nvPicPr>
         <p:blipFill rotWithShape="1">
           <a:blip r:embed="rId3"/>
-          <a:srcRect l="15016" t="16767" r="7334" b="10304"/>
+          <a:srcRect l="15016" t="17600" r="8827" b="10304"/>
           <a:stretch/>
         </p:blipFill>
         <p:spPr>
           <a:xfrm>
-            <a:off x="6987906" y="5978487"/>
-            <a:ext cx="6507933" cy="6112458"/>
+            <a:off x="6987907" y="6048375"/>
+            <a:ext cx="6382751" cy="6042569"/>
           </a:xfrm>
           <a:prstGeom prst="rect">
             <a:avLst/>
@@ -4661,13 +4690,13 @@
         </p:nvPicPr>
         <p:blipFill rotWithShape="1">
           <a:blip r:embed="rId4"/>
-          <a:srcRect l="16990" t="16671" r="7334" b="10303"/>
+          <a:srcRect l="16990" t="17697" r="9440" b="10304"/>
           <a:stretch/>
         </p:blipFill>
         <p:spPr>
           <a:xfrm>
-            <a:off x="796052" y="5971977"/>
-            <a:ext cx="6338829" cy="6116873"/>
+            <a:off x="796052" y="6057900"/>
+            <a:ext cx="6162439" cy="6030950"/>
           </a:xfrm>
           <a:prstGeom prst="rect">
             <a:avLst/>
@@ -5421,13 +5450,13 @@
         </p:nvPicPr>
         <p:blipFill rotWithShape="1">
           <a:blip r:embed="rId3"/>
-          <a:srcRect l="59254" t="54820" r="6293" b="5533"/>
+          <a:srcRect l="59254" t="55239" r="7253" b="5533"/>
           <a:stretch/>
         </p:blipFill>
         <p:spPr>
           <a:xfrm>
-            <a:off x="347193" y="5988762"/>
-            <a:ext cx="6991679" cy="6434749"/>
+            <a:off x="347193" y="6056615"/>
+            <a:ext cx="6796951" cy="6366895"/>
           </a:xfrm>
           <a:prstGeom prst="rect">
             <a:avLst/>
@@ -5450,13 +5479,13 @@
         </p:nvPicPr>
         <p:blipFill rotWithShape="1">
           <a:blip r:embed="rId4"/>
-          <a:srcRect l="60125" t="54820" r="5423" b="5533"/>
+          <a:srcRect l="60125" t="55238" r="6383" b="5533"/>
           <a:stretch/>
         </p:blipFill>
         <p:spPr>
           <a:xfrm>
-            <a:off x="7474646" y="5988762"/>
-            <a:ext cx="6991679" cy="6434752"/>
+            <a:off x="7474647" y="6056614"/>
+            <a:ext cx="6796950" cy="6366899"/>
           </a:xfrm>
           <a:prstGeom prst="rect">
             <a:avLst/>
